--- a/Presentations/SPL - Presentation.pptx
+++ b/Presentations/SPL - Presentation.pptx
@@ -17,6 +17,11 @@
     <p:sldId id="268" r:id="rId11"/>
     <p:sldId id="267" r:id="rId12"/>
     <p:sldId id="266" r:id="rId13"/>
+    <p:sldId id="269" r:id="rId14"/>
+    <p:sldId id="270" r:id="rId15"/>
+    <p:sldId id="272" r:id="rId16"/>
+    <p:sldId id="271" r:id="rId17"/>
+    <p:sldId id="273" r:id="rId18"/>
   </p:sldIdLst>
   <p:sldSz cx="12192000" cy="6858000"/>
   <p:notesSz cx="6858000" cy="9144000"/>
@@ -6242,6 +6247,451 @@
 </p:sld>
 </file>
 
+<file path=ppt/slides/slide13.xml><?xml version="1.0" encoding="utf-8"?>
+<p:sld xmlns:a="http://schemas.openxmlformats.org/drawingml/2006/main" xmlns:r="http://schemas.openxmlformats.org/officeDocument/2006/relationships" xmlns:p="http://schemas.openxmlformats.org/presentationml/2006/main">
+  <p:cSld>
+    <p:spTree>
+      <p:nvGrpSpPr>
+        <p:cNvPr id="1" name=""/>
+        <p:cNvGrpSpPr/>
+        <p:nvPr/>
+      </p:nvGrpSpPr>
+      <p:grpSpPr>
+        <a:xfrm>
+          <a:off x="0" y="0"/>
+          <a:ext cx="0" cy="0"/>
+          <a:chOff x="0" y="0"/>
+          <a:chExt cx="0" cy="0"/>
+        </a:xfrm>
+      </p:grpSpPr>
+      <p:sp>
+        <p:nvSpPr>
+          <p:cNvPr id="2" name="Title 1">
+            <a:extLst>
+              <a:ext uri="{FF2B5EF4-FFF2-40B4-BE49-F238E27FC236}">
+                <a16:creationId xmlns:a16="http://schemas.microsoft.com/office/drawing/2014/main" id="{F015D46C-64A7-1BDB-80D1-7AB36E0E56FD}"/>
+              </a:ext>
+            </a:extLst>
+          </p:cNvPr>
+          <p:cNvSpPr>
+            <a:spLocks noGrp="1"/>
+          </p:cNvSpPr>
+          <p:nvPr>
+            <p:ph type="title"/>
+          </p:nvPr>
+        </p:nvSpPr>
+        <p:spPr/>
+        <p:txBody>
+          <a:bodyPr/>
+          <a:lstStyle/>
+          <a:p>
+            <a:r>
+              <a:rPr lang="en-US" dirty="0"/>
+              <a:t>TPOIASI</a:t>
+            </a:r>
+          </a:p>
+        </p:txBody>
+      </p:sp>
+      <p:sp>
+        <p:nvSpPr>
+          <p:cNvPr id="3" name="Content Placeholder 2">
+            <a:extLst>
+              <a:ext uri="{FF2B5EF4-FFF2-40B4-BE49-F238E27FC236}">
+                <a16:creationId xmlns:a16="http://schemas.microsoft.com/office/drawing/2014/main" id="{4F583C88-B94F-29A4-02E2-113FD6E7A1AE}"/>
+              </a:ext>
+            </a:extLst>
+          </p:cNvPr>
+          <p:cNvSpPr>
+            <a:spLocks noGrp="1"/>
+          </p:cNvSpPr>
+          <p:nvPr>
+            <p:ph idx="1"/>
+          </p:nvPr>
+        </p:nvSpPr>
+        <p:spPr/>
+        <p:txBody>
+          <a:bodyPr/>
+          <a:lstStyle/>
+          <a:p>
+            <a:r>
+              <a:rPr lang="en-US" dirty="0">
+                <a:hlinkClick r:id="rId2"/>
+              </a:rPr>
+              <a:t>https://godbolt.org/z/YMM3ocTd4</a:t>
+            </a:r>
+            <a:endParaRPr lang="en-US" dirty="0"/>
+          </a:p>
+        </p:txBody>
+      </p:sp>
+    </p:spTree>
+    <p:extLst>
+      <p:ext uri="{BB962C8B-B14F-4D97-AF65-F5344CB8AC3E}">
+        <p14:creationId xmlns:p14="http://schemas.microsoft.com/office/powerpoint/2010/main" val="1991183392"/>
+      </p:ext>
+    </p:extLst>
+  </p:cSld>
+  <p:clrMapOvr>
+    <a:masterClrMapping/>
+  </p:clrMapOvr>
+</p:sld>
+</file>
+
+<file path=ppt/slides/slide14.xml><?xml version="1.0" encoding="utf-8"?>
+<p:sld xmlns:a="http://schemas.openxmlformats.org/drawingml/2006/main" xmlns:r="http://schemas.openxmlformats.org/officeDocument/2006/relationships" xmlns:p="http://schemas.openxmlformats.org/presentationml/2006/main">
+  <p:cSld>
+    <p:spTree>
+      <p:nvGrpSpPr>
+        <p:cNvPr id="1" name=""/>
+        <p:cNvGrpSpPr/>
+        <p:nvPr/>
+      </p:nvGrpSpPr>
+      <p:grpSpPr>
+        <a:xfrm>
+          <a:off x="0" y="0"/>
+          <a:ext cx="0" cy="0"/>
+          <a:chOff x="0" y="0"/>
+          <a:chExt cx="0" cy="0"/>
+        </a:xfrm>
+      </p:grpSpPr>
+      <p:sp>
+        <p:nvSpPr>
+          <p:cNvPr id="2" name="Title 1">
+            <a:extLst>
+              <a:ext uri="{FF2B5EF4-FFF2-40B4-BE49-F238E27FC236}">
+                <a16:creationId xmlns:a16="http://schemas.microsoft.com/office/drawing/2014/main" id="{A6D9F5C0-AB7C-736C-0EA9-08C80A5BB1DA}"/>
+              </a:ext>
+            </a:extLst>
+          </p:cNvPr>
+          <p:cNvSpPr>
+            <a:spLocks noGrp="1"/>
+          </p:cNvSpPr>
+          <p:nvPr>
+            <p:ph type="title"/>
+          </p:nvPr>
+        </p:nvSpPr>
+        <p:spPr/>
+        <p:txBody>
+          <a:bodyPr/>
+          <a:lstStyle/>
+          <a:p>
+            <a:r>
+              <a:rPr lang="en-US" dirty="0"/>
+              <a:t>Pythagorean triples</a:t>
+            </a:r>
+          </a:p>
+        </p:txBody>
+      </p:sp>
+      <p:sp>
+        <p:nvSpPr>
+          <p:cNvPr id="3" name="Content Placeholder 2">
+            <a:extLst>
+              <a:ext uri="{FF2B5EF4-FFF2-40B4-BE49-F238E27FC236}">
+                <a16:creationId xmlns:a16="http://schemas.microsoft.com/office/drawing/2014/main" id="{6BCB44D0-8D89-E1A7-3347-B4E6B8FDB6B9}"/>
+              </a:ext>
+            </a:extLst>
+          </p:cNvPr>
+          <p:cNvSpPr>
+            <a:spLocks noGrp="1"/>
+          </p:cNvSpPr>
+          <p:nvPr>
+            <p:ph idx="1"/>
+          </p:nvPr>
+        </p:nvSpPr>
+        <p:spPr/>
+        <p:txBody>
+          <a:bodyPr/>
+          <a:lstStyle/>
+          <a:p>
+            <a:r>
+              <a:rPr lang="en-US" dirty="0">
+                <a:hlinkClick r:id="rId2"/>
+              </a:rPr>
+              <a:t>https://godbolt.org/z/sj46MM4ME</a:t>
+            </a:r>
+            <a:endParaRPr lang="en-US" dirty="0"/>
+          </a:p>
+        </p:txBody>
+      </p:sp>
+    </p:spTree>
+    <p:extLst>
+      <p:ext uri="{BB962C8B-B14F-4D97-AF65-F5344CB8AC3E}">
+        <p14:creationId xmlns:p14="http://schemas.microsoft.com/office/powerpoint/2010/main" val="2938362857"/>
+      </p:ext>
+    </p:extLst>
+  </p:cSld>
+  <p:clrMapOvr>
+    <a:masterClrMapping/>
+  </p:clrMapOvr>
+</p:sld>
+</file>
+
+<file path=ppt/slides/slide15.xml><?xml version="1.0" encoding="utf-8"?>
+<p:sld xmlns:a="http://schemas.openxmlformats.org/drawingml/2006/main" xmlns:r="http://schemas.openxmlformats.org/officeDocument/2006/relationships" xmlns:p="http://schemas.openxmlformats.org/presentationml/2006/main">
+  <p:cSld>
+    <p:spTree>
+      <p:nvGrpSpPr>
+        <p:cNvPr id="1" name=""/>
+        <p:cNvGrpSpPr/>
+        <p:nvPr/>
+      </p:nvGrpSpPr>
+      <p:grpSpPr>
+        <a:xfrm>
+          <a:off x="0" y="0"/>
+          <a:ext cx="0" cy="0"/>
+          <a:chOff x="0" y="0"/>
+          <a:chExt cx="0" cy="0"/>
+        </a:xfrm>
+      </p:grpSpPr>
+      <p:sp>
+        <p:nvSpPr>
+          <p:cNvPr id="2" name="Title 1">
+            <a:extLst>
+              <a:ext uri="{FF2B5EF4-FFF2-40B4-BE49-F238E27FC236}">
+                <a16:creationId xmlns:a16="http://schemas.microsoft.com/office/drawing/2014/main" id="{33AC0D77-6669-BEDE-C437-B749F48FF06F}"/>
+              </a:ext>
+            </a:extLst>
+          </p:cNvPr>
+          <p:cNvSpPr>
+            <a:spLocks noGrp="1"/>
+          </p:cNvSpPr>
+          <p:nvPr>
+            <p:ph type="title"/>
+          </p:nvPr>
+        </p:nvSpPr>
+        <p:spPr/>
+        <p:txBody>
+          <a:bodyPr/>
+          <a:lstStyle/>
+          <a:p>
+            <a:r>
+              <a:rPr lang="en-US" dirty="0"/>
+              <a:t>Group By</a:t>
+            </a:r>
+          </a:p>
+        </p:txBody>
+      </p:sp>
+      <p:sp>
+        <p:nvSpPr>
+          <p:cNvPr id="3" name="Content Placeholder 2">
+            <a:extLst>
+              <a:ext uri="{FF2B5EF4-FFF2-40B4-BE49-F238E27FC236}">
+                <a16:creationId xmlns:a16="http://schemas.microsoft.com/office/drawing/2014/main" id="{38FC94EC-5415-1984-7556-F1AADCFFC15F}"/>
+              </a:ext>
+            </a:extLst>
+          </p:cNvPr>
+          <p:cNvSpPr>
+            <a:spLocks noGrp="1"/>
+          </p:cNvSpPr>
+          <p:nvPr>
+            <p:ph idx="1"/>
+          </p:nvPr>
+        </p:nvSpPr>
+        <p:spPr/>
+        <p:txBody>
+          <a:bodyPr/>
+          <a:lstStyle/>
+          <a:p>
+            <a:r>
+              <a:rPr lang="en-US" dirty="0">
+                <a:hlinkClick r:id="rId2"/>
+              </a:rPr>
+              <a:t>https://godbolt.org/z/xed9TWGs7</a:t>
+            </a:r>
+            <a:endParaRPr lang="en-US" dirty="0"/>
+          </a:p>
+        </p:txBody>
+      </p:sp>
+    </p:spTree>
+    <p:extLst>
+      <p:ext uri="{BB962C8B-B14F-4D97-AF65-F5344CB8AC3E}">
+        <p14:creationId xmlns:p14="http://schemas.microsoft.com/office/powerpoint/2010/main" val="1456935750"/>
+      </p:ext>
+    </p:extLst>
+  </p:cSld>
+  <p:clrMapOvr>
+    <a:masterClrMapping/>
+  </p:clrMapOvr>
+</p:sld>
+</file>
+
+<file path=ppt/slides/slide16.xml><?xml version="1.0" encoding="utf-8"?>
+<p:sld xmlns:a="http://schemas.openxmlformats.org/drawingml/2006/main" xmlns:r="http://schemas.openxmlformats.org/officeDocument/2006/relationships" xmlns:p="http://schemas.openxmlformats.org/presentationml/2006/main">
+  <p:cSld>
+    <p:spTree>
+      <p:nvGrpSpPr>
+        <p:cNvPr id="1" name=""/>
+        <p:cNvGrpSpPr/>
+        <p:nvPr/>
+      </p:nvGrpSpPr>
+      <p:grpSpPr>
+        <a:xfrm>
+          <a:off x="0" y="0"/>
+          <a:ext cx="0" cy="0"/>
+          <a:chOff x="0" y="0"/>
+          <a:chExt cx="0" cy="0"/>
+        </a:xfrm>
+      </p:grpSpPr>
+      <p:sp>
+        <p:nvSpPr>
+          <p:cNvPr id="2" name="Title 1">
+            <a:extLst>
+              <a:ext uri="{FF2B5EF4-FFF2-40B4-BE49-F238E27FC236}">
+                <a16:creationId xmlns:a16="http://schemas.microsoft.com/office/drawing/2014/main" id="{5CFC83B7-F54C-5571-C825-6D87467CEFFD}"/>
+              </a:ext>
+            </a:extLst>
+          </p:cNvPr>
+          <p:cNvSpPr>
+            <a:spLocks noGrp="1"/>
+          </p:cNvSpPr>
+          <p:nvPr>
+            <p:ph type="title"/>
+          </p:nvPr>
+        </p:nvSpPr>
+        <p:spPr/>
+        <p:txBody>
+          <a:bodyPr/>
+          <a:lstStyle/>
+          <a:p>
+            <a:r>
+              <a:rPr lang="en-US" dirty="0"/>
+              <a:t>Flatten</a:t>
+            </a:r>
+          </a:p>
+        </p:txBody>
+      </p:sp>
+      <p:sp>
+        <p:nvSpPr>
+          <p:cNvPr id="3" name="Content Placeholder 2">
+            <a:extLst>
+              <a:ext uri="{FF2B5EF4-FFF2-40B4-BE49-F238E27FC236}">
+                <a16:creationId xmlns:a16="http://schemas.microsoft.com/office/drawing/2014/main" id="{1F259AAE-56C1-195B-A6CB-12CE35EF2000}"/>
+              </a:ext>
+            </a:extLst>
+          </p:cNvPr>
+          <p:cNvSpPr>
+            <a:spLocks noGrp="1"/>
+          </p:cNvSpPr>
+          <p:nvPr>
+            <p:ph idx="1"/>
+          </p:nvPr>
+        </p:nvSpPr>
+        <p:spPr/>
+        <p:txBody>
+          <a:bodyPr/>
+          <a:lstStyle/>
+          <a:p>
+            <a:r>
+              <a:rPr lang="en-US" dirty="0">
+                <a:hlinkClick r:id="rId2"/>
+              </a:rPr>
+              <a:t>https://godbolt.org/z/sjf5h55M8</a:t>
+            </a:r>
+            <a:endParaRPr lang="en-US" dirty="0"/>
+          </a:p>
+        </p:txBody>
+      </p:sp>
+    </p:spTree>
+    <p:extLst>
+      <p:ext uri="{BB962C8B-B14F-4D97-AF65-F5344CB8AC3E}">
+        <p14:creationId xmlns:p14="http://schemas.microsoft.com/office/powerpoint/2010/main" val="2400883113"/>
+      </p:ext>
+    </p:extLst>
+  </p:cSld>
+  <p:clrMapOvr>
+    <a:masterClrMapping/>
+  </p:clrMapOvr>
+</p:sld>
+</file>
+
+<file path=ppt/slides/slide17.xml><?xml version="1.0" encoding="utf-8"?>
+<p:sld xmlns:a="http://schemas.openxmlformats.org/drawingml/2006/main" xmlns:r="http://schemas.openxmlformats.org/officeDocument/2006/relationships" xmlns:p="http://schemas.openxmlformats.org/presentationml/2006/main">
+  <p:cSld>
+    <p:spTree>
+      <p:nvGrpSpPr>
+        <p:cNvPr id="1" name=""/>
+        <p:cNvGrpSpPr/>
+        <p:nvPr/>
+      </p:nvGrpSpPr>
+      <p:grpSpPr>
+        <a:xfrm>
+          <a:off x="0" y="0"/>
+          <a:ext cx="0" cy="0"/>
+          <a:chOff x="0" y="0"/>
+          <a:chExt cx="0" cy="0"/>
+        </a:xfrm>
+      </p:grpSpPr>
+      <p:sp>
+        <p:nvSpPr>
+          <p:cNvPr id="2" name="Title 1">
+            <a:extLst>
+              <a:ext uri="{FF2B5EF4-FFF2-40B4-BE49-F238E27FC236}">
+                <a16:creationId xmlns:a16="http://schemas.microsoft.com/office/drawing/2014/main" id="{CCB64210-920F-3467-278C-FB4D46202342}"/>
+              </a:ext>
+            </a:extLst>
+          </p:cNvPr>
+          <p:cNvSpPr>
+            <a:spLocks noGrp="1"/>
+          </p:cNvSpPr>
+          <p:nvPr>
+            <p:ph type="title"/>
+          </p:nvPr>
+        </p:nvSpPr>
+        <p:spPr/>
+        <p:txBody>
+          <a:bodyPr/>
+          <a:lstStyle/>
+          <a:p>
+            <a:r>
+              <a:rPr lang="en-US" dirty="0"/>
+              <a:t>Optional</a:t>
+            </a:r>
+          </a:p>
+        </p:txBody>
+      </p:sp>
+      <p:sp>
+        <p:nvSpPr>
+          <p:cNvPr id="3" name="Content Placeholder 2">
+            <a:extLst>
+              <a:ext uri="{FF2B5EF4-FFF2-40B4-BE49-F238E27FC236}">
+                <a16:creationId xmlns:a16="http://schemas.microsoft.com/office/drawing/2014/main" id="{4B593D13-416F-D629-E1B0-910FBC498FF0}"/>
+              </a:ext>
+            </a:extLst>
+          </p:cNvPr>
+          <p:cNvSpPr>
+            <a:spLocks noGrp="1"/>
+          </p:cNvSpPr>
+          <p:nvPr>
+            <p:ph idx="1"/>
+          </p:nvPr>
+        </p:nvSpPr>
+        <p:spPr/>
+        <p:txBody>
+          <a:bodyPr/>
+          <a:lstStyle/>
+          <a:p>
+            <a:r>
+              <a:rPr lang="en-US" dirty="0">
+                <a:hlinkClick r:id="rId2"/>
+              </a:rPr>
+              <a:t>https://godbolt.org/z/oaK75hvTE</a:t>
+            </a:r>
+            <a:endParaRPr lang="en-US" dirty="0"/>
+          </a:p>
+        </p:txBody>
+      </p:sp>
+    </p:spTree>
+    <p:extLst>
+      <p:ext uri="{BB962C8B-B14F-4D97-AF65-F5344CB8AC3E}">
+        <p14:creationId xmlns:p14="http://schemas.microsoft.com/office/powerpoint/2010/main" val="2133927399"/>
+      </p:ext>
+    </p:extLst>
+  </p:cSld>
+  <p:clrMapOvr>
+    <a:masterClrMapping/>
+  </p:clrMapOvr>
+</p:sld>
+</file>
+
 <file path=ppt/slides/slide2.xml><?xml version="1.0" encoding="utf-8"?>
 <p:sld xmlns:a="http://schemas.openxmlformats.org/drawingml/2006/main" xmlns:r="http://schemas.openxmlformats.org/officeDocument/2006/relationships" xmlns:p="http://schemas.openxmlformats.org/presentationml/2006/main">
   <p:cSld>
